--- a/game-design.pptx
+++ b/game-design.pptx
@@ -5,7 +5,7 @@
     <p:sldMasterId id="2147483648" r:id="rId1"/>
   </p:sldMasterIdLst>
   <p:notesMasterIdLst>
-    <p:notesMasterId r:id="rId10"/>
+    <p:notesMasterId r:id="rId11"/>
   </p:notesMasterIdLst>
   <p:sldIdLst>
     <p:sldId id="256" r:id="rId2"/>
@@ -14,8 +14,9 @@
     <p:sldId id="258" r:id="rId5"/>
     <p:sldId id="259" r:id="rId6"/>
     <p:sldId id="262" r:id="rId7"/>
-    <p:sldId id="260" r:id="rId8"/>
-    <p:sldId id="263" r:id="rId9"/>
+    <p:sldId id="264" r:id="rId8"/>
+    <p:sldId id="260" r:id="rId9"/>
+    <p:sldId id="263" r:id="rId10"/>
   </p:sldIdLst>
   <p:sldSz cx="12192000" cy="6858000"/>
   <p:notesSz cx="6858000" cy="9144000"/>
@@ -204,7 +205,7 @@
           <a:p>
             <a:fld id="{434830F7-E37E-B44F-BC37-DC975D0CE6F2}" type="datetimeFigureOut">
               <a:rPr lang="en-US" smtClean="0"/>
-              <a:t>11/25/17</a:t>
+              <a:t>11/30/17</a:t>
             </a:fld>
             <a:endParaRPr lang="en-US"/>
           </a:p>
@@ -537,7 +538,7 @@
           <a:p>
             <a:fld id="{7AE21005-C3B7-CB47-B236-56AD3B774F8B}" type="slidenum">
               <a:rPr lang="en-US" smtClean="0"/>
-              <a:t>8</a:t>
+              <a:t>9</a:t>
             </a:fld>
             <a:endParaRPr lang="en-US"/>
           </a:p>
@@ -687,7 +688,7 @@
           <a:p>
             <a:fld id="{8FCC3955-C6A8-774F-B0EE-EB96B2844D27}" type="datetimeFigureOut">
               <a:rPr lang="en-US" smtClean="0"/>
-              <a:t>11/25/17</a:t>
+              <a:t>11/30/17</a:t>
             </a:fld>
             <a:endParaRPr lang="en-US"/>
           </a:p>
@@ -857,7 +858,7 @@
           <a:p>
             <a:fld id="{8FCC3955-C6A8-774F-B0EE-EB96B2844D27}" type="datetimeFigureOut">
               <a:rPr lang="en-US" smtClean="0"/>
-              <a:t>11/25/17</a:t>
+              <a:t>11/30/17</a:t>
             </a:fld>
             <a:endParaRPr lang="en-US"/>
           </a:p>
@@ -1037,7 +1038,7 @@
           <a:p>
             <a:fld id="{8FCC3955-C6A8-774F-B0EE-EB96B2844D27}" type="datetimeFigureOut">
               <a:rPr lang="en-US" smtClean="0"/>
-              <a:t>11/25/17</a:t>
+              <a:t>11/30/17</a:t>
             </a:fld>
             <a:endParaRPr lang="en-US"/>
           </a:p>
@@ -1207,7 +1208,7 @@
           <a:p>
             <a:fld id="{8FCC3955-C6A8-774F-B0EE-EB96B2844D27}" type="datetimeFigureOut">
               <a:rPr lang="en-US" smtClean="0"/>
-              <a:t>11/25/17</a:t>
+              <a:t>11/30/17</a:t>
             </a:fld>
             <a:endParaRPr lang="en-US"/>
           </a:p>
@@ -1453,7 +1454,7 @@
           <a:p>
             <a:fld id="{8FCC3955-C6A8-774F-B0EE-EB96B2844D27}" type="datetimeFigureOut">
               <a:rPr lang="en-US" smtClean="0"/>
-              <a:t>11/25/17</a:t>
+              <a:t>11/30/17</a:t>
             </a:fld>
             <a:endParaRPr lang="en-US"/>
           </a:p>
@@ -1685,7 +1686,7 @@
           <a:p>
             <a:fld id="{8FCC3955-C6A8-774F-B0EE-EB96B2844D27}" type="datetimeFigureOut">
               <a:rPr lang="en-US" smtClean="0"/>
-              <a:t>11/25/17</a:t>
+              <a:t>11/30/17</a:t>
             </a:fld>
             <a:endParaRPr lang="en-US"/>
           </a:p>
@@ -2052,7 +2053,7 @@
           <a:p>
             <a:fld id="{8FCC3955-C6A8-774F-B0EE-EB96B2844D27}" type="datetimeFigureOut">
               <a:rPr lang="en-US" smtClean="0"/>
-              <a:t>11/25/17</a:t>
+              <a:t>11/30/17</a:t>
             </a:fld>
             <a:endParaRPr lang="en-US"/>
           </a:p>
@@ -2170,7 +2171,7 @@
           <a:p>
             <a:fld id="{8FCC3955-C6A8-774F-B0EE-EB96B2844D27}" type="datetimeFigureOut">
               <a:rPr lang="en-US" smtClean="0"/>
-              <a:t>11/25/17</a:t>
+              <a:t>11/30/17</a:t>
             </a:fld>
             <a:endParaRPr lang="en-US"/>
           </a:p>
@@ -2265,7 +2266,7 @@
           <a:p>
             <a:fld id="{8FCC3955-C6A8-774F-B0EE-EB96B2844D27}" type="datetimeFigureOut">
               <a:rPr lang="en-US" smtClean="0"/>
-              <a:t>11/25/17</a:t>
+              <a:t>11/30/17</a:t>
             </a:fld>
             <a:endParaRPr lang="en-US"/>
           </a:p>
@@ -2542,7 +2543,7 @@
           <a:p>
             <a:fld id="{8FCC3955-C6A8-774F-B0EE-EB96B2844D27}" type="datetimeFigureOut">
               <a:rPr lang="en-US" smtClean="0"/>
-              <a:t>11/25/17</a:t>
+              <a:t>11/30/17</a:t>
             </a:fld>
             <a:endParaRPr lang="en-US"/>
           </a:p>
@@ -2795,7 +2796,7 @@
           <a:p>
             <a:fld id="{8FCC3955-C6A8-774F-B0EE-EB96B2844D27}" type="datetimeFigureOut">
               <a:rPr lang="en-US" smtClean="0"/>
-              <a:t>11/25/17</a:t>
+              <a:t>11/30/17</a:t>
             </a:fld>
             <a:endParaRPr lang="en-US"/>
           </a:p>
@@ -3008,7 +3009,7 @@
           <a:p>
             <a:fld id="{8FCC3955-C6A8-774F-B0EE-EB96B2844D27}" type="datetimeFigureOut">
               <a:rPr lang="en-US" smtClean="0"/>
-              <a:t>11/25/17</a:t>
+              <a:t>11/30/17</a:t>
             </a:fld>
             <a:endParaRPr lang="en-US"/>
           </a:p>
@@ -12206,6 +12207,86 @@
           <a:p>
             <a:r>
               <a:rPr lang="en-US" dirty="0" smtClean="0"/>
+              <a:t>Calculating best moves</a:t>
+            </a:r>
+            <a:endParaRPr lang="en-US" dirty="0"/>
+          </a:p>
+        </p:txBody>
+      </p:sp>
+      <p:sp>
+        <p:nvSpPr>
+          <p:cNvPr id="3" name="Content Placeholder 2"/>
+          <p:cNvSpPr>
+            <a:spLocks noGrp="1"/>
+          </p:cNvSpPr>
+          <p:nvPr>
+            <p:ph idx="1"/>
+          </p:nvPr>
+        </p:nvSpPr>
+        <p:spPr/>
+        <p:txBody>
+          <a:bodyPr/>
+          <a:lstStyle/>
+          <a:p>
+            <a:r>
+              <a:rPr lang="en-US" dirty="0" smtClean="0"/>
+              <a:t>Risk that </a:t>
+            </a:r>
+            <a:r>
+              <a:rPr lang="en-US" smtClean="0"/>
+              <a:t>some moves don’t </a:t>
+            </a:r>
+            <a:endParaRPr lang="en-US"/>
+          </a:p>
+        </p:txBody>
+      </p:sp>
+    </p:spTree>
+    <p:extLst>
+      <p:ext uri="{BB962C8B-B14F-4D97-AF65-F5344CB8AC3E}">
+        <p14:creationId xmlns:p14="http://schemas.microsoft.com/office/powerpoint/2010/main" val="200337704"/>
+      </p:ext>
+    </p:extLst>
+  </p:cSld>
+  <p:clrMapOvr>
+    <a:masterClrMapping/>
+  </p:clrMapOvr>
+</p:sld>
+</file>
+
+<file path=ppt/slides/slide8.xml><?xml version="1.0" encoding="utf-8"?>
+<p:sld xmlns:a="http://schemas.openxmlformats.org/drawingml/2006/main" xmlns:r="http://schemas.openxmlformats.org/officeDocument/2006/relationships" xmlns:p="http://schemas.openxmlformats.org/presentationml/2006/main">
+  <p:cSld>
+    <p:spTree>
+      <p:nvGrpSpPr>
+        <p:cNvPr id="1" name=""/>
+        <p:cNvGrpSpPr/>
+        <p:nvPr/>
+      </p:nvGrpSpPr>
+      <p:grpSpPr>
+        <a:xfrm>
+          <a:off x="0" y="0"/>
+          <a:ext cx="0" cy="0"/>
+          <a:chOff x="0" y="0"/>
+          <a:chExt cx="0" cy="0"/>
+        </a:xfrm>
+      </p:grpSpPr>
+      <p:sp>
+        <p:nvSpPr>
+          <p:cNvPr id="2" name="Title 1"/>
+          <p:cNvSpPr>
+            <a:spLocks noGrp="1"/>
+          </p:cNvSpPr>
+          <p:nvPr>
+            <p:ph type="title"/>
+          </p:nvPr>
+        </p:nvSpPr>
+        <p:spPr/>
+        <p:txBody>
+          <a:bodyPr/>
+          <a:lstStyle/>
+          <a:p>
+            <a:r>
+              <a:rPr lang="en-US" dirty="0" smtClean="0"/>
               <a:t>Flaws in the process (improvement opportunities)</a:t>
             </a:r>
             <a:endParaRPr lang="en-US" dirty="0"/>
@@ -12260,7 +12341,7 @@
 </p:sld>
 </file>
 
-<file path=ppt/slides/slide8.xml><?xml version="1.0" encoding="utf-8"?>
+<file path=ppt/slides/slide9.xml><?xml version="1.0" encoding="utf-8"?>
 <p:sld xmlns:a="http://schemas.openxmlformats.org/drawingml/2006/main" xmlns:r="http://schemas.openxmlformats.org/officeDocument/2006/relationships" xmlns:p="http://schemas.openxmlformats.org/presentationml/2006/main">
   <p:cSld>
     <p:spTree>

--- a/game-design.pptx
+++ b/game-design.pptx
@@ -205,7 +205,7 @@
           <a:p>
             <a:fld id="{434830F7-E37E-B44F-BC37-DC975D0CE6F2}" type="datetimeFigureOut">
               <a:rPr lang="en-US" smtClean="0"/>
-              <a:t>11/30/17</a:t>
+              <a:t>12/2/17</a:t>
             </a:fld>
             <a:endParaRPr lang="en-US"/>
           </a:p>
@@ -688,7 +688,7 @@
           <a:p>
             <a:fld id="{8FCC3955-C6A8-774F-B0EE-EB96B2844D27}" type="datetimeFigureOut">
               <a:rPr lang="en-US" smtClean="0"/>
-              <a:t>11/30/17</a:t>
+              <a:t>12/2/17</a:t>
             </a:fld>
             <a:endParaRPr lang="en-US"/>
           </a:p>
@@ -858,7 +858,7 @@
           <a:p>
             <a:fld id="{8FCC3955-C6A8-774F-B0EE-EB96B2844D27}" type="datetimeFigureOut">
               <a:rPr lang="en-US" smtClean="0"/>
-              <a:t>11/30/17</a:t>
+              <a:t>12/2/17</a:t>
             </a:fld>
             <a:endParaRPr lang="en-US"/>
           </a:p>
@@ -1038,7 +1038,7 @@
           <a:p>
             <a:fld id="{8FCC3955-C6A8-774F-B0EE-EB96B2844D27}" type="datetimeFigureOut">
               <a:rPr lang="en-US" smtClean="0"/>
-              <a:t>11/30/17</a:t>
+              <a:t>12/2/17</a:t>
             </a:fld>
             <a:endParaRPr lang="en-US"/>
           </a:p>
@@ -1208,7 +1208,7 @@
           <a:p>
             <a:fld id="{8FCC3955-C6A8-774F-B0EE-EB96B2844D27}" type="datetimeFigureOut">
               <a:rPr lang="en-US" smtClean="0"/>
-              <a:t>11/30/17</a:t>
+              <a:t>12/2/17</a:t>
             </a:fld>
             <a:endParaRPr lang="en-US"/>
           </a:p>
@@ -1454,7 +1454,7 @@
           <a:p>
             <a:fld id="{8FCC3955-C6A8-774F-B0EE-EB96B2844D27}" type="datetimeFigureOut">
               <a:rPr lang="en-US" smtClean="0"/>
-              <a:t>11/30/17</a:t>
+              <a:t>12/2/17</a:t>
             </a:fld>
             <a:endParaRPr lang="en-US"/>
           </a:p>
@@ -1686,7 +1686,7 @@
           <a:p>
             <a:fld id="{8FCC3955-C6A8-774F-B0EE-EB96B2844D27}" type="datetimeFigureOut">
               <a:rPr lang="en-US" smtClean="0"/>
-              <a:t>11/30/17</a:t>
+              <a:t>12/2/17</a:t>
             </a:fld>
             <a:endParaRPr lang="en-US"/>
           </a:p>
@@ -2053,7 +2053,7 @@
           <a:p>
             <a:fld id="{8FCC3955-C6A8-774F-B0EE-EB96B2844D27}" type="datetimeFigureOut">
               <a:rPr lang="en-US" smtClean="0"/>
-              <a:t>11/30/17</a:t>
+              <a:t>12/2/17</a:t>
             </a:fld>
             <a:endParaRPr lang="en-US"/>
           </a:p>
@@ -2171,7 +2171,7 @@
           <a:p>
             <a:fld id="{8FCC3955-C6A8-774F-B0EE-EB96B2844D27}" type="datetimeFigureOut">
               <a:rPr lang="en-US" smtClean="0"/>
-              <a:t>11/30/17</a:t>
+              <a:t>12/2/17</a:t>
             </a:fld>
             <a:endParaRPr lang="en-US"/>
           </a:p>
@@ -2266,7 +2266,7 @@
           <a:p>
             <a:fld id="{8FCC3955-C6A8-774F-B0EE-EB96B2844D27}" type="datetimeFigureOut">
               <a:rPr lang="en-US" smtClean="0"/>
-              <a:t>11/30/17</a:t>
+              <a:t>12/2/17</a:t>
             </a:fld>
             <a:endParaRPr lang="en-US"/>
           </a:p>
@@ -2543,7 +2543,7 @@
           <a:p>
             <a:fld id="{8FCC3955-C6A8-774F-B0EE-EB96B2844D27}" type="datetimeFigureOut">
               <a:rPr lang="en-US" smtClean="0"/>
-              <a:t>11/30/17</a:t>
+              <a:t>12/2/17</a:t>
             </a:fld>
             <a:endParaRPr lang="en-US"/>
           </a:p>
@@ -2796,7 +2796,7 @@
           <a:p>
             <a:fld id="{8FCC3955-C6A8-774F-B0EE-EB96B2844D27}" type="datetimeFigureOut">
               <a:rPr lang="en-US" smtClean="0"/>
-              <a:t>11/30/17</a:t>
+              <a:t>12/2/17</a:t>
             </a:fld>
             <a:endParaRPr lang="en-US"/>
           </a:p>
@@ -3009,7 +3009,7 @@
           <a:p>
             <a:fld id="{8FCC3955-C6A8-774F-B0EE-EB96B2844D27}" type="datetimeFigureOut">
               <a:rPr lang="en-US" smtClean="0"/>
-              <a:t>11/30/17</a:t>
+              <a:t>12/2/17</a:t>
             </a:fld>
             <a:endParaRPr lang="en-US"/>
           </a:p>
@@ -12200,7 +12200,12 @@
             <p:ph type="title"/>
           </p:nvPr>
         </p:nvSpPr>
-        <p:spPr/>
+        <p:spPr>
+          <a:xfrm>
+            <a:off x="838200" y="0"/>
+            <a:ext cx="10515600" cy="1325563"/>
+          </a:xfrm>
+        </p:spPr>
         <p:txBody>
           <a:bodyPr/>
           <a:lstStyle/>
@@ -12223,20 +12228,90 @@
             <p:ph idx="1"/>
           </p:nvPr>
         </p:nvSpPr>
-        <p:spPr/>
-        <p:txBody>
-          <a:bodyPr/>
+        <p:spPr>
+          <a:xfrm>
+            <a:off x="838200" y="1387929"/>
+            <a:ext cx="10515600" cy="4789034"/>
+          </a:xfrm>
+        </p:spPr>
+        <p:txBody>
+          <a:bodyPr>
+            <a:normAutofit lnSpcReduction="10000"/>
+          </a:bodyPr>
           <a:lstStyle/>
           <a:p>
             <a:r>
               <a:rPr lang="en-US" dirty="0" smtClean="0"/>
-              <a:t>Risk that </a:t>
-            </a:r>
-            <a:r>
-              <a:rPr lang="en-US" smtClean="0"/>
-              <a:t>some moves don’t </a:t>
-            </a:r>
-            <a:endParaRPr lang="en-US"/>
+              <a:t>The board (game environment) is hashed using the following two functions.</a:t>
+            </a:r>
+          </a:p>
+          <a:p>
+            <a:endParaRPr lang="en-US" dirty="0"/>
+          </a:p>
+          <a:p>
+            <a:pPr lvl="1"/>
+            <a:r>
+              <a:rPr lang="en-US" b="1" dirty="0" err="1" smtClean="0"/>
+              <a:t>getCurrentBoardHash</a:t>
+            </a:r>
+            <a:r>
+              <a:rPr lang="en-US" dirty="0"/>
+              <a:t> </a:t>
+            </a:r>
+            <a:r>
+              <a:rPr lang="mr-IN" dirty="0" smtClean="0"/>
+              <a:t>–</a:t>
+            </a:r>
+            <a:r>
+              <a:rPr lang="en-US" dirty="0" smtClean="0"/>
+              <a:t> returns a hash of the current board setup as hex encoded number.  Once a move has been taken by each player, the hash of the board is stored in a list of moves by that player.  If the player wins, then a score if calculated for the game based upon how many pieces the player won by, and also by how fewer moves they made. These scores are written to the learning data, increasing the score of existing hashes if they already exist in the </a:t>
+            </a:r>
+            <a:r>
+              <a:rPr lang="en-US" dirty="0" err="1" smtClean="0"/>
+              <a:t>learningdata</a:t>
+            </a:r>
+            <a:r>
+              <a:rPr lang="en-US" dirty="0" smtClean="0"/>
+              <a:t> file.</a:t>
+            </a:r>
+          </a:p>
+          <a:p>
+            <a:pPr lvl="1"/>
+            <a:endParaRPr lang="en-US" dirty="0"/>
+          </a:p>
+          <a:p>
+            <a:pPr lvl="1"/>
+            <a:r>
+              <a:rPr lang="en-US" b="1" dirty="0" err="1"/>
+              <a:t>getFutureBoardHash</a:t>
+            </a:r>
+            <a:r>
+              <a:rPr lang="en-US" b="1" dirty="0"/>
+              <a:t>(</a:t>
+            </a:r>
+            <a:r>
+              <a:rPr lang="en-US" b="1" dirty="0" err="1"/>
+              <a:t>self,nextMove</a:t>
+            </a:r>
+            <a:r>
+              <a:rPr lang="en-US" dirty="0" smtClean="0"/>
+              <a:t>) </a:t>
+            </a:r>
+            <a:r>
+              <a:rPr lang="mr-IN" dirty="0" smtClean="0"/>
+              <a:t>–</a:t>
+            </a:r>
+            <a:r>
+              <a:rPr lang="en-US" dirty="0" smtClean="0"/>
+              <a:t> returns a hash of a future board setup, given a move (e.g.  A1-C3(B2) ). This is used by the game to look up against learning data, to find the best move to take.</a:t>
+            </a:r>
+          </a:p>
+          <a:p>
+            <a:pPr lvl="1"/>
+            <a:endParaRPr lang="en-US" dirty="0"/>
+          </a:p>
+          <a:p>
+            <a:endParaRPr lang="en-US" dirty="0"/>
           </a:p>
         </p:txBody>
       </p:sp>
